--- a/Lectures/Byte 5.pptx
+++ b/Lectures/Byte 5.pptx
@@ -5,10 +5,10 @@
     <p:sldMasterId id="2147483648" r:id="rId1"/>
   </p:sldMasterIdLst>
   <p:notesMasterIdLst>
-    <p:notesMasterId r:id="rId46"/>
+    <p:notesMasterId r:id="rId47"/>
   </p:notesMasterIdLst>
   <p:handoutMasterIdLst>
-    <p:handoutMasterId r:id="rId47"/>
+    <p:handoutMasterId r:id="rId48"/>
   </p:handoutMasterIdLst>
   <p:sldIdLst>
     <p:sldId id="258" r:id="rId2"/>
@@ -52,9 +52,10 @@
     <p:sldId id="560" r:id="rId40"/>
     <p:sldId id="562" r:id="rId41"/>
     <p:sldId id="563" r:id="rId42"/>
-    <p:sldId id="558" r:id="rId43"/>
-    <p:sldId id="564" r:id="rId44"/>
-    <p:sldId id="561" r:id="rId45"/>
+    <p:sldId id="565" r:id="rId43"/>
+    <p:sldId id="558" r:id="rId44"/>
+    <p:sldId id="564" r:id="rId45"/>
+    <p:sldId id="561" r:id="rId46"/>
   </p:sldIdLst>
   <p:sldSz cx="9144000" cy="6858000" type="screen4x3"/>
   <p:notesSz cx="6858000" cy="9144000"/>
@@ -39051,19 +39052,7 @@
               <a:rPr lang="en-US" sz="3500" dirty="0" smtClean="0">
                 <a:latin typeface="Arial" charset="0"/>
               </a:rPr>
-              <a:t>If </a:t>
-            </a:r>
-            <a:r>
-              <a:rPr lang="en-US" sz="3500" dirty="0" smtClean="0">
-                <a:latin typeface="Arial" charset="0"/>
-              </a:rPr>
-              <a:t>features are </a:t>
-            </a:r>
-            <a:r>
-              <a:rPr lang="en-US" sz="3500" dirty="0" smtClean="0">
-                <a:latin typeface="Arial" charset="0"/>
-              </a:rPr>
-              <a:t>based </a:t>
+              <a:t>If features are based </a:t>
             </a:r>
             <a:r>
               <a:rPr lang="en-US" sz="3500" dirty="0">
@@ -39179,13 +39168,7 @@
               <a:rPr lang="en-US" sz="2800" dirty="0" smtClean="0">
                 <a:latin typeface="Arial" charset="0"/>
               </a:rPr>
-              <a:t>At </a:t>
-            </a:r>
-            <a:r>
-              <a:rPr lang="en-US" sz="2800" dirty="0" smtClean="0">
-                <a:latin typeface="Arial" charset="0"/>
-              </a:rPr>
-              <a:t>training time the features will perform better than they should because they wer</a:t>
+              <a:t>At training time the features will perform better than they should because they wer</a:t>
             </a:r>
             <a:r>
               <a:rPr lang="en-US" dirty="0" smtClean="0">
@@ -39275,15 +39258,7 @@
           <a:bodyPr/>
           <a:lstStyle/>
           <a:p>
-            <a:r>
-              <a:rPr lang="en-US" dirty="0" err="1" smtClean="0"/>
-              <a:t>Handin</a:t>
-            </a:r>
-            <a:r>
-              <a:rPr lang="en-US" dirty="0" smtClean="0"/>
-              <a:t> Expectations</a:t>
-            </a:r>
-            <a:endParaRPr lang="en-US" dirty="0"/>
+            <a:endParaRPr lang="en-US"/>
           </a:p>
         </p:txBody>
       </p:sp>
@@ -39302,95 +39277,26 @@
           <a:bodyPr/>
           <a:lstStyle/>
           <a:p>
-            <a:pPr marL="0" indent="0">
-              <a:buNone/>
-            </a:pPr>
-            <a:r>
-              <a:rPr lang="en-US" dirty="0" smtClean="0"/>
-              <a:t>State </a:t>
-            </a:r>
             <a:r>
               <a:rPr lang="en-US" dirty="0"/>
-              <a:t>the accuracy of Naive Bayes when applied to</a:t>
-            </a:r>
-            <a:r>
-              <a:rPr lang="en-US" sz="2400" dirty="0">
-                <a:latin typeface="Andale Mono"/>
-                <a:cs typeface="Andale Mono"/>
-              </a:rPr>
-              <a:t> </a:t>
-            </a:r>
-            <a:r>
-              <a:rPr lang="en-US" sz="2400" dirty="0" err="1" smtClean="0">
-                <a:latin typeface="Andale Mono"/>
-                <a:cs typeface="Andale Mono"/>
-              </a:rPr>
-              <a:t>X_rest</a:t>
-            </a:r>
-            <a:r>
-              <a:rPr lang="en-US" sz="2400" dirty="0" smtClean="0">
-                <a:latin typeface="Andale Mono"/>
-                <a:cs typeface="Andale Mono"/>
-              </a:rPr>
-              <a:t> </a:t>
-            </a:r>
-            <a:r>
-              <a:rPr lang="en-US" dirty="0" smtClean="0"/>
-              <a:t>using 10-fold X-validation</a:t>
-            </a:r>
-            <a:endParaRPr lang="en-US" dirty="0"/>
-          </a:p>
-          <a:p>
-            <a:pPr marL="0" indent="0">
-              <a:buNone/>
-            </a:pPr>
+              <a:t>http://</a:t>
+            </a:r>
+            <a:r>
+              <a:rPr lang="en-US" dirty="0" err="1"/>
+              <a:t>selfiecity.net</a:t>
+            </a:r>
             <a:r>
               <a:rPr lang="en-US" dirty="0"/>
-              <a:t>State the accuracy of Decision Trees when applied to</a:t>
-            </a:r>
-            <a:r>
-              <a:rPr lang="en-US" sz="2400" dirty="0">
-                <a:latin typeface="Andale Mono"/>
-                <a:cs typeface="Andale Mono"/>
-              </a:rPr>
-              <a:t> </a:t>
-            </a:r>
-            <a:r>
-              <a:rPr lang="en-US" sz="2400" dirty="0" err="1">
-                <a:latin typeface="Andale Mono"/>
-                <a:cs typeface="Andale Mono"/>
-              </a:rPr>
-              <a:t>X_rest</a:t>
-            </a:r>
-            <a:r>
-              <a:rPr lang="en-US" sz="2400" dirty="0">
-                <a:latin typeface="Andale Mono"/>
-                <a:cs typeface="Andale Mono"/>
-              </a:rPr>
-              <a:t> </a:t>
-            </a:r>
-            <a:r>
-              <a:rPr lang="en-US" dirty="0"/>
-              <a:t>using 10-fold X-validation</a:t>
-            </a:r>
-          </a:p>
-          <a:p>
-            <a:pPr marL="0" indent="0">
-              <a:buNone/>
-            </a:pPr>
-            <a:r>
-              <a:rPr lang="en-US" dirty="0" smtClean="0"/>
-              <a:t>State </a:t>
-            </a:r>
-            <a:r>
-              <a:rPr lang="en-US" dirty="0"/>
-              <a:t>whether these accuracies are significantly different (give a p value</a:t>
-            </a:r>
-            <a:r>
-              <a:rPr lang="en-US" dirty="0" smtClean="0"/>
-              <a:t>)</a:t>
-            </a:r>
-            <a:endParaRPr lang="en-US" dirty="0"/>
+              <a:t>/</a:t>
+            </a:r>
+            <a:r>
+              <a:rPr lang="en-US" dirty="0" err="1"/>
+              <a:t>selfiexploratory</a:t>
+            </a:r>
+            <a:r>
+              <a:rPr lang="en-US"/>
+              <a:t>/</a:t>
+            </a:r>
           </a:p>
         </p:txBody>
       </p:sp>
@@ -39462,7 +39368,7 @@
     </p:spTree>
     <p:extLst>
       <p:ext uri="{BB962C8B-B14F-4D97-AF65-F5344CB8AC3E}">
-        <p14:creationId xmlns:p14="http://schemas.microsoft.com/office/powerpoint/2010/main" val="2228907422"/>
+        <p14:creationId xmlns:p14="http://schemas.microsoft.com/office/powerpoint/2010/main" val="1002889383"/>
       </p:ext>
     </p:extLst>
   </p:cSld>
@@ -39619,36 +39525,6 @@
               <a:rPr lang="en-US" dirty="0" smtClean="0"/>
               <a:t>)</a:t>
             </a:r>
-          </a:p>
-          <a:p>
-            <a:pPr marL="0" indent="0">
-              <a:buNone/>
-            </a:pPr>
-            <a:endParaRPr lang="en-US" dirty="0"/>
-          </a:p>
-          <a:p>
-            <a:pPr marL="0" indent="0">
-              <a:buNone/>
-            </a:pPr>
-            <a:r>
-              <a:rPr lang="en-US" dirty="0" smtClean="0"/>
-              <a:t>Why</a:t>
-            </a:r>
-            <a:r>
-              <a:rPr lang="en-US" b="1" dirty="0" smtClean="0"/>
-              <a:t> </a:t>
-            </a:r>
-            <a:r>
-              <a:rPr lang="en-US" b="1" dirty="0" err="1">
-                <a:latin typeface="Andale Mono"/>
-                <a:cs typeface="Andale Mono"/>
-              </a:rPr>
-              <a:t>X_rest</a:t>
-            </a:r>
-            <a:r>
-              <a:rPr lang="en-US" dirty="0" smtClean="0"/>
-              <a:t>?</a:t>
-            </a:r>
             <a:endParaRPr lang="en-US" dirty="0"/>
           </a:p>
         </p:txBody>
@@ -39721,7 +39597,7 @@
     </p:spTree>
     <p:extLst>
       <p:ext uri="{BB962C8B-B14F-4D97-AF65-F5344CB8AC3E}">
-        <p14:creationId xmlns:p14="http://schemas.microsoft.com/office/powerpoint/2010/main" val="3754234025"/>
+        <p14:creationId xmlns:p14="http://schemas.microsoft.com/office/powerpoint/2010/main" val="2228907422"/>
       </p:ext>
     </p:extLst>
   </p:cSld>
@@ -39794,9 +39670,39 @@
               <a:buNone/>
             </a:pPr>
             <a:r>
+              <a:rPr lang="en-US" dirty="0" smtClean="0"/>
+              <a:t>State </a:t>
+            </a:r>
+            <a:r>
               <a:rPr lang="en-US" dirty="0"/>
-              <a:t>Include a picture of the decision tree and talk about what you learned from it</a:t>
-            </a:r>
+              <a:t>the accuracy of Naive Bayes when applied to</a:t>
+            </a:r>
+            <a:r>
+              <a:rPr lang="en-US" sz="2400" dirty="0">
+                <a:latin typeface="Andale Mono"/>
+                <a:cs typeface="Andale Mono"/>
+              </a:rPr>
+              <a:t> </a:t>
+            </a:r>
+            <a:r>
+              <a:rPr lang="en-US" sz="2400" dirty="0" err="1" smtClean="0">
+                <a:latin typeface="Andale Mono"/>
+                <a:cs typeface="Andale Mono"/>
+              </a:rPr>
+              <a:t>X_rest</a:t>
+            </a:r>
+            <a:r>
+              <a:rPr lang="en-US" sz="2400" dirty="0" smtClean="0">
+                <a:latin typeface="Andale Mono"/>
+                <a:cs typeface="Andale Mono"/>
+              </a:rPr>
+              <a:t> </a:t>
+            </a:r>
+            <a:r>
+              <a:rPr lang="en-US" dirty="0" smtClean="0"/>
+              <a:t>using 10-fold X-validation</a:t>
+            </a:r>
+            <a:endParaRPr lang="en-US" dirty="0"/>
           </a:p>
           <a:p>
             <a:pPr marL="0" indent="0">
@@ -39804,7 +39710,32 @@
             </a:pPr>
             <a:r>
               <a:rPr lang="en-US" dirty="0"/>
-              <a:t>What was the best classifier you were able to create:</a:t>
+              <a:t>State the accuracy of Decision Trees when applied to</a:t>
+            </a:r>
+            <a:r>
+              <a:rPr lang="en-US" sz="2400" dirty="0">
+                <a:latin typeface="Andale Mono"/>
+                <a:cs typeface="Andale Mono"/>
+              </a:rPr>
+              <a:t> </a:t>
+            </a:r>
+            <a:r>
+              <a:rPr lang="en-US" sz="2400" dirty="0" err="1">
+                <a:latin typeface="Andale Mono"/>
+                <a:cs typeface="Andale Mono"/>
+              </a:rPr>
+              <a:t>X_rest</a:t>
+            </a:r>
+            <a:r>
+              <a:rPr lang="en-US" sz="2400" dirty="0">
+                <a:latin typeface="Andale Mono"/>
+                <a:cs typeface="Andale Mono"/>
+              </a:rPr>
+              <a:t> </a:t>
+            </a:r>
+            <a:r>
+              <a:rPr lang="en-US" dirty="0"/>
+              <a:t>using 10-fold X-validation</a:t>
             </a:r>
           </a:p>
           <a:p>
@@ -39812,22 +39743,48 @@
               <a:buNone/>
             </a:pPr>
             <a:r>
+              <a:rPr lang="en-US" dirty="0" smtClean="0"/>
+              <a:t>State </a:t>
+            </a:r>
+            <a:r>
               <a:rPr lang="en-US" dirty="0"/>
-              <a:t>What features did you create or modify?</a:t>
+              <a:t>whether these accuracies are significantly different (give a p value</a:t>
+            </a:r>
+            <a:r>
+              <a:rPr lang="en-US" dirty="0" smtClean="0"/>
+              <a:t>)</a:t>
             </a:r>
           </a:p>
           <a:p>
             <a:pPr marL="0" indent="0">
               <a:buNone/>
             </a:pPr>
+            <a:endParaRPr lang="en-US" dirty="0"/>
+          </a:p>
+          <a:p>
+            <a:pPr marL="0" indent="0">
+              <a:buNone/>
+            </a:pPr>
             <a:r>
               <a:rPr lang="en-US" dirty="0" smtClean="0"/>
-              <a:t>What </a:t>
-            </a:r>
-            <a:r>
-              <a:rPr lang="en-US" dirty="0"/>
-              <a:t>were the accuracy, precision and recall of the result on your 'rest' (non optimization) set?</a:t>
-            </a:r>
+              <a:t>Why</a:t>
+            </a:r>
+            <a:r>
+              <a:rPr lang="en-US" b="1" dirty="0" smtClean="0"/>
+              <a:t> </a:t>
+            </a:r>
+            <a:r>
+              <a:rPr lang="en-US" b="1" dirty="0" err="1">
+                <a:latin typeface="Andale Mono"/>
+                <a:cs typeface="Andale Mono"/>
+              </a:rPr>
+              <a:t>X_rest</a:t>
+            </a:r>
+            <a:r>
+              <a:rPr lang="en-US" dirty="0" smtClean="0"/>
+              <a:t>?</a:t>
+            </a:r>
+            <a:endParaRPr lang="en-US" dirty="0"/>
           </a:p>
         </p:txBody>
       </p:sp>
@@ -39891,6 +39848,184 @@
             <a:fld id="{17E276FA-8F89-B34D-A726-BE3FA1F8DD97}" type="slidenum">
               <a:rPr lang="en-US" smtClean="0"/>
               <a:t>44</a:t>
+            </a:fld>
+            <a:endParaRPr lang="en-US" dirty="0"/>
+          </a:p>
+        </p:txBody>
+      </p:sp>
+    </p:spTree>
+    <p:extLst>
+      <p:ext uri="{BB962C8B-B14F-4D97-AF65-F5344CB8AC3E}">
+        <p14:creationId xmlns:p14="http://schemas.microsoft.com/office/powerpoint/2010/main" val="3754234025"/>
+      </p:ext>
+    </p:extLst>
+  </p:cSld>
+  <p:clrMapOvr>
+    <a:masterClrMapping/>
+  </p:clrMapOvr>
+</p:sld>
+</file>
+
+<file path=ppt/slides/slide45.xml><?xml version="1.0" encoding="utf-8"?>
+<p:sld xmlns:a="http://schemas.openxmlformats.org/drawingml/2006/main" xmlns:r="http://schemas.openxmlformats.org/officeDocument/2006/relationships" xmlns:p="http://schemas.openxmlformats.org/presentationml/2006/main">
+  <p:cSld>
+    <p:spTree>
+      <p:nvGrpSpPr>
+        <p:cNvPr id="1" name=""/>
+        <p:cNvGrpSpPr/>
+        <p:nvPr/>
+      </p:nvGrpSpPr>
+      <p:grpSpPr>
+        <a:xfrm>
+          <a:off x="0" y="0"/>
+          <a:ext cx="0" cy="0"/>
+          <a:chOff x="0" y="0"/>
+          <a:chExt cx="0" cy="0"/>
+        </a:xfrm>
+      </p:grpSpPr>
+      <p:sp>
+        <p:nvSpPr>
+          <p:cNvPr id="2" name="Title 1"/>
+          <p:cNvSpPr>
+            <a:spLocks noGrp="1"/>
+          </p:cNvSpPr>
+          <p:nvPr>
+            <p:ph type="title"/>
+          </p:nvPr>
+        </p:nvSpPr>
+        <p:spPr/>
+        <p:txBody>
+          <a:bodyPr/>
+          <a:lstStyle/>
+          <a:p>
+            <a:r>
+              <a:rPr lang="en-US" dirty="0" err="1" smtClean="0"/>
+              <a:t>Handin</a:t>
+            </a:r>
+            <a:r>
+              <a:rPr lang="en-US" dirty="0" smtClean="0"/>
+              <a:t> Expectations</a:t>
+            </a:r>
+            <a:endParaRPr lang="en-US" dirty="0"/>
+          </a:p>
+        </p:txBody>
+      </p:sp>
+      <p:sp>
+        <p:nvSpPr>
+          <p:cNvPr id="3" name="Content Placeholder 2"/>
+          <p:cNvSpPr>
+            <a:spLocks noGrp="1"/>
+          </p:cNvSpPr>
+          <p:nvPr>
+            <p:ph idx="1"/>
+          </p:nvPr>
+        </p:nvSpPr>
+        <p:spPr/>
+        <p:txBody>
+          <a:bodyPr/>
+          <a:lstStyle/>
+          <a:p>
+            <a:pPr marL="0" indent="0">
+              <a:buNone/>
+            </a:pPr>
+            <a:r>
+              <a:rPr lang="en-US" dirty="0"/>
+              <a:t>Include a picture of the decision tree and talk about what you learned from it</a:t>
+            </a:r>
+          </a:p>
+          <a:p>
+            <a:pPr marL="0" indent="0">
+              <a:buNone/>
+            </a:pPr>
+            <a:r>
+              <a:rPr lang="en-US" dirty="0"/>
+              <a:t>What was the best classifier you were able to create:</a:t>
+            </a:r>
+          </a:p>
+          <a:p>
+            <a:pPr marL="0" indent="0">
+              <a:buNone/>
+            </a:pPr>
+            <a:r>
+              <a:rPr lang="en-US" dirty="0"/>
+              <a:t>What features did you create or modify?</a:t>
+            </a:r>
+          </a:p>
+          <a:p>
+            <a:pPr marL="0" indent="0">
+              <a:buNone/>
+            </a:pPr>
+            <a:r>
+              <a:rPr lang="en-US" dirty="0" smtClean="0"/>
+              <a:t>What </a:t>
+            </a:r>
+            <a:r>
+              <a:rPr lang="en-US" dirty="0"/>
+              <a:t>were the accuracy, precision and recall of the result on your 'rest' (non optimization) set?</a:t>
+            </a:r>
+          </a:p>
+        </p:txBody>
+      </p:sp>
+      <p:sp>
+        <p:nvSpPr>
+          <p:cNvPr id="4" name="Date Placeholder 3"/>
+          <p:cNvSpPr>
+            <a:spLocks noGrp="1"/>
+          </p:cNvSpPr>
+          <p:nvPr>
+            <p:ph type="dt" sz="half" idx="10"/>
+          </p:nvPr>
+        </p:nvSpPr>
+        <p:spPr/>
+        <p:txBody>
+          <a:bodyPr/>
+          <a:lstStyle/>
+          <a:p>
+            <a:fld id="{7053BEFA-1175-F644-B249-7D41D72BD3FF}" type="datetime1">
+              <a:rPr lang="en-US" smtClean="0"/>
+              <a:t>3/17/14</a:t>
+            </a:fld>
+            <a:endParaRPr lang="en-US"/>
+          </a:p>
+        </p:txBody>
+      </p:sp>
+      <p:sp>
+        <p:nvSpPr>
+          <p:cNvPr id="5" name="Footer Placeholder 4"/>
+          <p:cNvSpPr>
+            <a:spLocks noGrp="1"/>
+          </p:cNvSpPr>
+          <p:nvPr>
+            <p:ph type="ftr" sz="quarter" idx="11"/>
+          </p:nvPr>
+        </p:nvSpPr>
+        <p:spPr/>
+        <p:txBody>
+          <a:bodyPr/>
+          <a:lstStyle/>
+          <a:p>
+            <a:endParaRPr lang="en-US" dirty="0"/>
+          </a:p>
+        </p:txBody>
+      </p:sp>
+      <p:sp>
+        <p:nvSpPr>
+          <p:cNvPr id="6" name="Slide Number Placeholder 5"/>
+          <p:cNvSpPr>
+            <a:spLocks noGrp="1"/>
+          </p:cNvSpPr>
+          <p:nvPr>
+            <p:ph type="sldNum" sz="quarter" idx="12"/>
+          </p:nvPr>
+        </p:nvSpPr>
+        <p:spPr/>
+        <p:txBody>
+          <a:bodyPr/>
+          <a:lstStyle/>
+          <a:p>
+            <a:fld id="{17E276FA-8F89-B34D-A726-BE3FA1F8DD97}" type="slidenum">
+              <a:rPr lang="en-US" smtClean="0"/>
+              <a:t>45</a:t>
             </a:fld>
             <a:endParaRPr lang="en-US" dirty="0"/>
           </a:p>
